--- a/slide/Phoenix LiveView & Pubsub for Realtime & Scalable web app.pptx
+++ b/slide/Phoenix LiveView & Pubsub for Realtime & Scalable web app.pptx
@@ -26,6 +26,7 @@
     <p:sldId id="271" r:id="rId21"/>
     <p:sldId id="272" r:id="rId22"/>
     <p:sldId id="273" r:id="rId23"/>
+    <p:sldId id="274" r:id="rId24"/>
   </p:sldIdLst>
   <p:sldSz cy="5143500" cx="9144000"/>
   <p:notesSz cx="6858000" cy="9144000"/>
@@ -1316,7 +1317,7 @@
       </p:grpSpPr>
       <p:sp>
         <p:nvSpPr>
-          <p:cNvPr id="150" name="Google Shape;150;g296febb73ba_0_221:notes"/>
+          <p:cNvPr id="150" name="Google Shape;150;g29a1728ca87_0_0:notes"/>
           <p:cNvSpPr/>
           <p:nvPr>
             <p:ph idx="2" type="sldImg"/>
@@ -1351,7 +1352,7 @@
       </p:sp>
       <p:sp>
         <p:nvSpPr>
-          <p:cNvPr id="151" name="Google Shape;151;g296febb73ba_0_221:notes"/>
+          <p:cNvPr id="151" name="Google Shape;151;g29a1728ca87_0_0:notes"/>
           <p:cNvSpPr txBox="1"/>
           <p:nvPr>
             <p:ph idx="1" type="body"/>
@@ -1401,7 +1402,7 @@
   <p:cSld>
     <p:spTree>
       <p:nvGrpSpPr>
-        <p:cNvPr id="157" name="Shape 157"/>
+        <p:cNvPr id="156" name="Shape 156"/>
         <p:cNvGrpSpPr/>
         <p:nvPr/>
       </p:nvGrpSpPr>
@@ -1415,7 +1416,7 @@
       </p:grpSpPr>
       <p:sp>
         <p:nvSpPr>
-          <p:cNvPr id="158" name="Google Shape;158;g29972b789f5_0_10:notes"/>
+          <p:cNvPr id="157" name="Google Shape;157;g296febb73ba_0_221:notes"/>
           <p:cNvSpPr/>
           <p:nvPr>
             <p:ph idx="2" type="sldImg"/>
@@ -1450,7 +1451,7 @@
       </p:sp>
       <p:sp>
         <p:nvSpPr>
-          <p:cNvPr id="159" name="Google Shape;159;g29972b789f5_0_10:notes"/>
+          <p:cNvPr id="158" name="Google Shape;158;g296febb73ba_0_221:notes"/>
           <p:cNvSpPr txBox="1"/>
           <p:nvPr>
             <p:ph idx="1" type="body"/>
@@ -1514,7 +1515,7 @@
       </p:grpSpPr>
       <p:sp>
         <p:nvSpPr>
-          <p:cNvPr id="165" name="Google Shape;165;g29972b789f5_0_20:notes"/>
+          <p:cNvPr id="165" name="Google Shape;165;g29972b789f5_0_10:notes"/>
           <p:cNvSpPr/>
           <p:nvPr>
             <p:ph idx="2" type="sldImg"/>
@@ -1549,7 +1550,7 @@
       </p:sp>
       <p:sp>
         <p:nvSpPr>
-          <p:cNvPr id="166" name="Google Shape;166;g29972b789f5_0_20:notes"/>
+          <p:cNvPr id="166" name="Google Shape;166;g29972b789f5_0_10:notes"/>
           <p:cNvSpPr txBox="1"/>
           <p:nvPr>
             <p:ph idx="1" type="body"/>
@@ -1613,7 +1614,7 @@
       </p:grpSpPr>
       <p:sp>
         <p:nvSpPr>
-          <p:cNvPr id="172" name="Google Shape;172;g29972b789f5_0_26:notes"/>
+          <p:cNvPr id="172" name="Google Shape;172;g29972b789f5_0_20:notes"/>
           <p:cNvSpPr/>
           <p:nvPr>
             <p:ph idx="2" type="sldImg"/>
@@ -1648,7 +1649,106 @@
       </p:sp>
       <p:sp>
         <p:nvSpPr>
-          <p:cNvPr id="173" name="Google Shape;173;g29972b789f5_0_26:notes"/>
+          <p:cNvPr id="173" name="Google Shape;173;g29972b789f5_0_20:notes"/>
+          <p:cNvSpPr txBox="1"/>
+          <p:nvPr>
+            <p:ph idx="1" type="body"/>
+          </p:nvPr>
+        </p:nvSpPr>
+        <p:spPr>
+          <a:xfrm>
+            <a:off x="685800" y="4343400"/>
+            <a:ext cx="5486400" cy="4114800"/>
+          </a:xfrm>
+          <a:prstGeom prst="rect">
+            <a:avLst/>
+          </a:prstGeom>
+        </p:spPr>
+        <p:txBody>
+          <a:bodyPr anchorCtr="0" anchor="t" bIns="91425" lIns="91425" spcFirstLastPara="1" rIns="91425" wrap="square" tIns="91425">
+            <a:noAutofit/>
+          </a:bodyPr>
+          <a:lstStyle/>
+          <a:p>
+            <a:pPr indent="0" lvl="0" marL="0" rtl="0" algn="l">
+              <a:spcBef>
+                <a:spcPts val="0"/>
+              </a:spcBef>
+              <a:spcAft>
+                <a:spcPts val="0"/>
+              </a:spcAft>
+              <a:buNone/>
+            </a:pPr>
+            <a:r>
+              <a:t/>
+            </a:r>
+            <a:endParaRPr/>
+          </a:p>
+        </p:txBody>
+      </p:sp>
+    </p:spTree>
+  </p:cSld>
+  <p:clrMapOvr>
+    <a:masterClrMapping/>
+  </p:clrMapOvr>
+</p:notes>
+</file>
+
+<file path=ppt/notesSlides/notesSlide19.xml><?xml version="1.0" encoding="utf-8"?>
+<p:notes xmlns:a="http://schemas.openxmlformats.org/drawingml/2006/main" xmlns:r="http://schemas.openxmlformats.org/officeDocument/2006/relationships" xmlns:mc="http://schemas.openxmlformats.org/markup-compatibility/2006" xmlns:mv="urn:schemas-microsoft-com:mac:vml" xmlns:p="http://schemas.openxmlformats.org/presentationml/2006/main" xmlns:c="http://schemas.openxmlformats.org/drawingml/2006/chart" xmlns:dgm="http://schemas.openxmlformats.org/drawingml/2006/diagram" xmlns:o="urn:schemas-microsoft-com:office:office" xmlns:v="urn:schemas-microsoft-com:vml" xmlns:pvml="urn:schemas-microsoft-com:office:powerpoint" xmlns:com="http://schemas.openxmlformats.org/drawingml/2006/compatibility" xmlns:p14="http://schemas.microsoft.com/office/powerpoint/2010/main" xmlns:p15="http://schemas.microsoft.com/office/powerpoint/2012/main" xmlns:ahyp="http://schemas.microsoft.com/office/drawing/2018/hyperlinkcolor" showMasterPhAnim="0" showMasterSp="0">
+  <p:cSld>
+    <p:spTree>
+      <p:nvGrpSpPr>
+        <p:cNvPr id="178" name="Shape 178"/>
+        <p:cNvGrpSpPr/>
+        <p:nvPr/>
+      </p:nvGrpSpPr>
+      <p:grpSpPr>
+        <a:xfrm>
+          <a:off x="0" y="0"/>
+          <a:ext cx="0" cy="0"/>
+          <a:chOff x="0" y="0"/>
+          <a:chExt cx="0" cy="0"/>
+        </a:xfrm>
+      </p:grpSpPr>
+      <p:sp>
+        <p:nvSpPr>
+          <p:cNvPr id="179" name="Google Shape;179;g29972b789f5_0_26:notes"/>
+          <p:cNvSpPr/>
+          <p:nvPr>
+            <p:ph idx="2" type="sldImg"/>
+          </p:nvPr>
+        </p:nvSpPr>
+        <p:spPr>
+          <a:xfrm>
+            <a:off x="381300" y="685800"/>
+            <a:ext cx="6096000" cy="3429000"/>
+          </a:xfrm>
+          <a:custGeom>
+            <a:rect b="b" l="l" r="r" t="t"/>
+            <a:pathLst>
+              <a:path extrusionOk="0" h="120000" w="120000">
+                <a:moveTo>
+                  <a:pt x="0" y="0"/>
+                </a:moveTo>
+                <a:lnTo>
+                  <a:pt x="120000" y="0"/>
+                </a:lnTo>
+                <a:lnTo>
+                  <a:pt x="120000" y="120000"/>
+                </a:lnTo>
+                <a:lnTo>
+                  <a:pt x="0" y="120000"/>
+                </a:lnTo>
+                <a:close/>
+              </a:path>
+            </a:pathLst>
+          </a:custGeom>
+        </p:spPr>
+      </p:sp>
+      <p:sp>
+        <p:nvSpPr>
+          <p:cNvPr id="180" name="Google Shape;180;g29972b789f5_0_26:notes"/>
           <p:cNvSpPr txBox="1"/>
           <p:nvPr>
             <p:ph idx="1" type="body"/>
@@ -7185,7 +7285,7 @@
             </a:pPr>
             <a:r>
               <a:rPr lang="en"/>
-              <a:t>Phoenix LiveView &amp; Pubsub</a:t>
+              <a:t>Phoenix LiveView &amp; PubSub</a:t>
             </a:r>
             <a:endParaRPr/>
           </a:p>
@@ -7368,7 +7468,7 @@
             </a:pPr>
             <a:r>
               <a:rPr lang="en"/>
-              <a:t>LiveView - Concept - Handle_event</a:t>
+              <a:t>LiveView - Events - handle_event</a:t>
             </a:r>
             <a:endParaRPr/>
           </a:p>
@@ -7426,7 +7526,7 @@
             </a:pPr>
             <a:r>
               <a:rPr lang="en"/>
-              <a:t>Handle events from other processes.</a:t>
+              <a:t>Update state for LiveView process.</a:t>
             </a:r>
             <a:endParaRPr/>
           </a:p>
@@ -7576,7 +7676,7 @@
             </a:pPr>
             <a:r>
               <a:rPr lang="en"/>
-              <a:t>LiveView - Some docs maybe help you</a:t>
+              <a:t>LiveView - Some docs</a:t>
             </a:r>
             <a:endParaRPr/>
           </a:p>
@@ -7897,7 +7997,7 @@
         </p:spPr>
         <p:txBody>
           <a:bodyPr anchorCtr="0" anchor="t" bIns="91425" lIns="91425" spcFirstLastPara="1" rIns="91425" wrap="square" tIns="91425">
-            <a:normAutofit/>
+            <a:normAutofit lnSpcReduction="10000"/>
           </a:bodyPr>
           <a:lstStyle/>
           <a:p>
@@ -7913,7 +8013,7 @@
             </a:pPr>
             <a:r>
               <a:rPr lang="en"/>
-              <a:t>A Phoenix library, can use for not a Phoenix app.</a:t>
+              <a:t>A message broker for process.</a:t>
             </a:r>
             <a:endParaRPr/>
           </a:p>
@@ -7930,7 +8030,7 @@
             </a:pPr>
             <a:r>
               <a:rPr lang="en"/>
-              <a:t>Use for send messages between processes on local or across a cluster.</a:t>
+              <a:t>A Phoenix library, can use for any Elixir app.</a:t>
             </a:r>
             <a:endParaRPr/>
           </a:p>
@@ -7947,7 +8047,41 @@
             </a:pPr>
             <a:r>
               <a:rPr lang="en"/>
-              <a:t>Don’t like send message between processes, Pubsub don’t need to know who will receive (yes, reduce complexity on develop).</a:t>
+              <a:t>Use for send messages between processes on local (a node) or across a cluster (many nodes).</a:t>
+            </a:r>
+            <a:endParaRPr/>
+          </a:p>
+          <a:p>
+            <a:pPr indent="-342900" lvl="0" marL="457200" rtl="0" algn="l">
+              <a:spcBef>
+                <a:spcPts val="0"/>
+              </a:spcBef>
+              <a:spcAft>
+                <a:spcPts val="0"/>
+              </a:spcAft>
+              <a:buSzPts val="1800"/>
+              <a:buChar char="-"/>
+            </a:pPr>
+            <a:r>
+              <a:rPr lang="en"/>
+              <a:t>Don’t like send message between processes, PubSub don’t need to know who will receive (yes, reduce complexity on develop).</a:t>
+            </a:r>
+            <a:endParaRPr/>
+          </a:p>
+          <a:p>
+            <a:pPr indent="-342900" lvl="0" marL="457200" rtl="0" algn="l">
+              <a:spcBef>
+                <a:spcPts val="0"/>
+              </a:spcBef>
+              <a:spcAft>
+                <a:spcPts val="0"/>
+              </a:spcAft>
+              <a:buSzPts val="1800"/>
+              <a:buChar char="-"/>
+            </a:pPr>
+            <a:r>
+              <a:rPr lang="en"/>
+              <a:t>Scalable for small or medium service.</a:t>
             </a:r>
             <a:endParaRPr/>
           </a:p>
@@ -8298,8 +8432,12 @@
               <a:buNone/>
             </a:pPr>
             <a:r>
-              <a:rPr lang="en"/>
-              <a:t>handle_info({:greeting, content}, state)</a:t>
+              <a:rPr lang="en" sz="1514"/>
+              <a:t>handle_info({:greeting, content}, state</a:t>
+            </a:r>
+            <a:r>
+              <a:rPr lang="en"/>
+              <a:t>)</a:t>
             </a:r>
             <a:endParaRPr/>
           </a:p>
@@ -8607,7 +8745,7 @@
             </a:pPr>
             <a:r>
               <a:rPr lang="en"/>
-              <a:t>LiveView - Stock Dashboard</a:t>
+              <a:t>LiveView &amp; PubSub together</a:t>
             </a:r>
             <a:endParaRPr/>
           </a:p>
@@ -8636,35 +8774,19 @@
           </a:bodyPr>
           <a:lstStyle/>
           <a:p>
-            <a:pPr indent="0" lvl="0" marL="0" rtl="0" algn="l">
-              <a:spcBef>
-                <a:spcPts val="0"/>
-              </a:spcBef>
-              <a:spcAft>
-                <a:spcPts val="0"/>
-              </a:spcAft>
-              <a:buNone/>
-            </a:pPr>
-            <a:r>
-              <a:rPr lang="en"/>
-              <a:t>Two Elixir app:</a:t>
-            </a:r>
-            <a:endParaRPr/>
-          </a:p>
-          <a:p>
             <a:pPr indent="-342900" lvl="0" marL="457200" rtl="0" algn="l">
               <a:spcBef>
-                <a:spcPts val="1200"/>
+                <a:spcPts val="0"/>
               </a:spcBef>
               <a:spcAft>
                 <a:spcPts val="0"/>
               </a:spcAft>
               <a:buSzPts val="1800"/>
-              <a:buAutoNum type="arabicPeriod"/>
-            </a:pPr>
-            <a:r>
-              <a:rPr lang="en"/>
-              <a:t>Frontend service uses Phoenix LiveView for dashboard, subscribes Phoenix PubSub for getting changed price from Trading service.</a:t>
+              <a:buChar char="-"/>
+            </a:pPr>
+            <a:r>
+              <a:rPr lang="en"/>
+              <a:t>Use PubSub for transporting data between LiveView processes, LiveView and other process and between nodes.</a:t>
             </a:r>
             <a:endParaRPr/>
           </a:p>
@@ -8677,55 +8799,28 @@
                 <a:spcPts val="0"/>
               </a:spcAft>
               <a:buSzPts val="1800"/>
-              <a:buAutoNum type="arabicPeriod"/>
-            </a:pPr>
-            <a:r>
-              <a:rPr lang="en"/>
-              <a:t>Trading service, a stock price simulator.</a:t>
-            </a:r>
-            <a:endParaRPr/>
-          </a:p>
-          <a:p>
-            <a:pPr indent="0" lvl="0" marL="0" rtl="0" algn="l">
-              <a:spcBef>
-                <a:spcPts val="1200"/>
-              </a:spcBef>
-              <a:spcAft>
-                <a:spcPts val="0"/>
-              </a:spcAft>
-              <a:buNone/>
-            </a:pPr>
-            <a:r>
-              <a:t/>
-            </a:r>
-            <a:endParaRPr/>
-          </a:p>
-          <a:p>
-            <a:pPr indent="0" lvl="0" marL="0" rtl="0" algn="l">
-              <a:spcBef>
-                <a:spcPts val="1200"/>
-              </a:spcBef>
-              <a:spcAft>
-                <a:spcPts val="1200"/>
-              </a:spcAft>
-              <a:buNone/>
-            </a:pPr>
-            <a:r>
-              <a:rPr lang="en"/>
-              <a:t>Repo: </a:t>
-            </a:r>
-            <a:r>
-              <a:rPr lang="en" u="sng">
-                <a:solidFill>
-                  <a:schemeClr val="hlink"/>
-                </a:solidFill>
-                <a:hlinkClick r:id="rId3"/>
-              </a:rPr>
-              <a:t>https://github.com/ohhi-vn/live_pub_demo</a:t>
-            </a:r>
-            <a:r>
-              <a:rPr lang="en"/>
-              <a:t> </a:t>
+              <a:buChar char="-"/>
+            </a:pPr>
+            <a:r>
+              <a:rPr lang="en"/>
+              <a:t>LiveView process will subscribe/broadcast message to PubSub.</a:t>
+            </a:r>
+            <a:endParaRPr/>
+          </a:p>
+          <a:p>
+            <a:pPr indent="-342900" lvl="0" marL="457200" rtl="0" algn="l">
+              <a:spcBef>
+                <a:spcPts val="0"/>
+              </a:spcBef>
+              <a:spcAft>
+                <a:spcPts val="0"/>
+              </a:spcAft>
+              <a:buSzPts val="1800"/>
+              <a:buChar char="-"/>
+            </a:pPr>
+            <a:r>
+              <a:rPr lang="en"/>
+              <a:t>Suitable for async processing.</a:t>
             </a:r>
             <a:endParaRPr/>
           </a:p>
@@ -8771,34 +8866,6 @@
           </a:p>
         </p:txBody>
       </p:sp>
-      <p:pic>
-        <p:nvPicPr>
-          <p:cNvPr id="156" name="Google Shape;156;p27"/>
-          <p:cNvPicPr preferRelativeResize="0"/>
-          <p:nvPr/>
-        </p:nvPicPr>
-        <p:blipFill>
-          <a:blip r:embed="rId4">
-            <a:alphaModFix/>
-          </a:blip>
-          <a:stretch>
-            <a:fillRect/>
-          </a:stretch>
-        </p:blipFill>
-        <p:spPr>
-          <a:xfrm>
-            <a:off x="5892750" y="2462325"/>
-            <a:ext cx="2083649" cy="2063451"/>
-          </a:xfrm>
-          <a:prstGeom prst="rect">
-            <a:avLst/>
-          </a:prstGeom>
-          <a:noFill/>
-          <a:ln>
-            <a:noFill/>
-          </a:ln>
-        </p:spPr>
-      </p:pic>
     </p:spTree>
   </p:cSld>
   <p:clrMapOvr>
@@ -8812,7 +8879,7 @@
   <p:cSld>
     <p:spTree>
       <p:nvGrpSpPr>
-        <p:cNvPr id="160" name="Shape 160"/>
+        <p:cNvPr id="159" name="Shape 159"/>
         <p:cNvGrpSpPr/>
         <p:nvPr/>
       </p:nvGrpSpPr>
@@ -8826,7 +8893,7 @@
       </p:grpSpPr>
       <p:sp>
         <p:nvSpPr>
-          <p:cNvPr id="161" name="Google Shape;161;p28"/>
+          <p:cNvPr id="160" name="Google Shape;160;p28"/>
           <p:cNvSpPr txBox="1"/>
           <p:nvPr>
             <p:ph type="title"/>
@@ -8858,7 +8925,125 @@
             </a:pPr>
             <a:r>
               <a:rPr lang="en"/>
-              <a:t>Simple flow of events in Demo</a:t>
+              <a:t>Demo - Stock Price Dashboard</a:t>
+            </a:r>
+            <a:endParaRPr/>
+          </a:p>
+        </p:txBody>
+      </p:sp>
+      <p:sp>
+        <p:nvSpPr>
+          <p:cNvPr id="161" name="Google Shape;161;p28"/>
+          <p:cNvSpPr txBox="1"/>
+          <p:nvPr>
+            <p:ph idx="1" type="body"/>
+          </p:nvPr>
+        </p:nvSpPr>
+        <p:spPr>
+          <a:xfrm>
+            <a:off x="311700" y="1152475"/>
+            <a:ext cx="8520600" cy="3416400"/>
+          </a:xfrm>
+          <a:prstGeom prst="rect">
+            <a:avLst/>
+          </a:prstGeom>
+        </p:spPr>
+        <p:txBody>
+          <a:bodyPr anchorCtr="0" anchor="t" bIns="91425" lIns="91425" spcFirstLastPara="1" rIns="91425" wrap="square" tIns="91425">
+            <a:normAutofit/>
+          </a:bodyPr>
+          <a:lstStyle/>
+          <a:p>
+            <a:pPr indent="0" lvl="0" marL="0" rtl="0" algn="l">
+              <a:spcBef>
+                <a:spcPts val="0"/>
+              </a:spcBef>
+              <a:spcAft>
+                <a:spcPts val="0"/>
+              </a:spcAft>
+              <a:buNone/>
+            </a:pPr>
+            <a:r>
+              <a:rPr lang="en"/>
+              <a:t>Two Elixir apps:</a:t>
+            </a:r>
+            <a:endParaRPr/>
+          </a:p>
+          <a:p>
+            <a:pPr indent="-342900" lvl="0" marL="457200" rtl="0" algn="l">
+              <a:spcBef>
+                <a:spcPts val="1200"/>
+              </a:spcBef>
+              <a:spcAft>
+                <a:spcPts val="0"/>
+              </a:spcAft>
+              <a:buSzPts val="1800"/>
+              <a:buAutoNum type="arabicPeriod"/>
+            </a:pPr>
+            <a:r>
+              <a:rPr lang="en"/>
+              <a:t>Frontend app uses Phoenix LiveView for dashboard, subscribes Phoenix PubSub for getting changed price from Trading service.</a:t>
+            </a:r>
+            <a:endParaRPr/>
+          </a:p>
+          <a:p>
+            <a:pPr indent="-342900" lvl="0" marL="457200" rtl="0" algn="l">
+              <a:spcBef>
+                <a:spcPts val="0"/>
+              </a:spcBef>
+              <a:spcAft>
+                <a:spcPts val="0"/>
+              </a:spcAft>
+              <a:buSzPts val="1800"/>
+              <a:buAutoNum type="arabicPeriod"/>
+            </a:pPr>
+            <a:r>
+              <a:rPr lang="en"/>
+              <a:t>Trading app, a stock price simulator.</a:t>
+            </a:r>
+            <a:endParaRPr/>
+          </a:p>
+          <a:p>
+            <a:pPr indent="0" lvl="0" marL="0" rtl="0" algn="l">
+              <a:spcBef>
+                <a:spcPts val="1200"/>
+              </a:spcBef>
+              <a:spcAft>
+                <a:spcPts val="0"/>
+              </a:spcAft>
+              <a:buNone/>
+            </a:pPr>
+            <a:r>
+              <a:t/>
+            </a:r>
+            <a:endParaRPr/>
+          </a:p>
+          <a:p>
+            <a:pPr indent="0" lvl="0" marL="0" rtl="0" algn="l">
+              <a:spcBef>
+                <a:spcPts val="1200"/>
+              </a:spcBef>
+              <a:spcAft>
+                <a:spcPts val="1200"/>
+              </a:spcAft>
+              <a:buNone/>
+            </a:pPr>
+            <a:r>
+              <a:rPr lang="en"/>
+              <a:t>Repo: </a:t>
+            </a:r>
+            <a:r>
+              <a:rPr lang="en" u="sng">
+                <a:solidFill>
+                  <a:schemeClr val="hlink"/>
+                </a:solidFill>
+                <a:hlinkClick r:id="rId3"/>
+              </a:rPr>
+              <a:t>https://github.com/ohhi-vn/live_pub_demo</a:t>
+            </a:r>
+            <a:r>
+              <a:rPr lang="en"/>
+              <a:t> </a:t>
             </a:r>
             <a:endParaRPr/>
           </a:p>
@@ -8911,7 +9096,7 @@
           <p:nvPr/>
         </p:nvPicPr>
         <p:blipFill>
-          <a:blip r:embed="rId3">
+          <a:blip r:embed="rId4">
             <a:alphaModFix/>
           </a:blip>
           <a:stretch>
@@ -8920,8 +9105,8 @@
         </p:blipFill>
         <p:spPr>
           <a:xfrm>
-            <a:off x="1152575" y="904400"/>
-            <a:ext cx="6766250" cy="4120175"/>
+            <a:off x="5892750" y="2462325"/>
+            <a:ext cx="2083649" cy="2063451"/>
           </a:xfrm>
           <a:prstGeom prst="rect">
             <a:avLst/>
@@ -8991,7 +9176,7 @@
             </a:pPr>
             <a:r>
               <a:rPr lang="en"/>
-              <a:t>Q &amp; A</a:t>
+              <a:t>Simple flow of events in Demo</a:t>
             </a:r>
             <a:endParaRPr/>
           </a:p>
@@ -9000,54 +9185,6 @@
       <p:sp>
         <p:nvSpPr>
           <p:cNvPr id="169" name="Google Shape;169;p29"/>
-          <p:cNvSpPr txBox="1"/>
-          <p:nvPr>
-            <p:ph idx="1" type="body"/>
-          </p:nvPr>
-        </p:nvSpPr>
-        <p:spPr>
-          <a:xfrm>
-            <a:off x="311700" y="1152475"/>
-            <a:ext cx="8520600" cy="3416400"/>
-          </a:xfrm>
-          <a:prstGeom prst="rect">
-            <a:avLst/>
-          </a:prstGeom>
-        </p:spPr>
-        <p:txBody>
-          <a:bodyPr anchorCtr="0" anchor="t" bIns="91425" lIns="91425" spcFirstLastPara="1" rIns="91425" wrap="square" tIns="91425">
-            <a:normAutofit/>
-          </a:bodyPr>
-          <a:lstStyle/>
-          <a:p>
-            <a:pPr indent="0" lvl="0" marL="0" rtl="0" algn="l">
-              <a:spcBef>
-                <a:spcPts val="0"/>
-              </a:spcBef>
-              <a:spcAft>
-                <a:spcPts val="1200"/>
-              </a:spcAft>
-              <a:buNone/>
-            </a:pPr>
-            <a:r>
-              <a:rPr lang="en"/>
-              <a:t>Time for Q/A &amp; </a:t>
-            </a:r>
-            <a:r>
-              <a:rPr lang="en"/>
-              <a:t>discussing</a:t>
-            </a:r>
-            <a:r>
-              <a:rPr lang="en"/>
-              <a:t>!</a:t>
-            </a:r>
-            <a:endParaRPr/>
-          </a:p>
-        </p:txBody>
-      </p:sp>
-      <p:sp>
-        <p:nvSpPr>
-          <p:cNvPr id="170" name="Google Shape;170;p29"/>
           <p:cNvSpPr txBox="1"/>
           <p:nvPr>
             <p:ph idx="12" type="sldNum"/>
@@ -9085,6 +9222,34 @@
           </a:p>
         </p:txBody>
       </p:sp>
+      <p:pic>
+        <p:nvPicPr>
+          <p:cNvPr id="170" name="Google Shape;170;p29"/>
+          <p:cNvPicPr preferRelativeResize="0"/>
+          <p:nvPr/>
+        </p:nvPicPr>
+        <p:blipFill>
+          <a:blip r:embed="rId3">
+            <a:alphaModFix/>
+          </a:blip>
+          <a:stretch>
+            <a:fillRect/>
+          </a:stretch>
+        </p:blipFill>
+        <p:spPr>
+          <a:xfrm>
+            <a:off x="1152575" y="904400"/>
+            <a:ext cx="6766250" cy="4120175"/>
+          </a:xfrm>
+          <a:prstGeom prst="rect">
+            <a:avLst/>
+          </a:prstGeom>
+          <a:noFill/>
+          <a:ln>
+            <a:noFill/>
+          </a:ln>
+        </p:spPr>
+      </p:pic>
     </p:spTree>
   </p:cSld>
   <p:clrMapOvr>
@@ -9144,7 +9309,7 @@
             </a:pPr>
             <a:r>
               <a:rPr lang="en"/>
-              <a:t>Thank you!</a:t>
+              <a:t>Q &amp; A</a:t>
             </a:r>
             <a:endParaRPr/>
           </a:p>
@@ -9169,7 +9334,7 @@
         </p:spPr>
         <p:txBody>
           <a:bodyPr anchorCtr="0" anchor="t" bIns="91425" lIns="91425" spcFirstLastPara="1" rIns="91425" wrap="square" tIns="91425">
-            <a:normAutofit fontScale="85000" lnSpcReduction="20000"/>
+            <a:normAutofit/>
           </a:bodyPr>
           <a:lstStyle/>
           <a:p>
@@ -9178,6 +9343,159 @@
                 <a:spcPts val="0"/>
               </a:spcBef>
               <a:spcAft>
+                <a:spcPts val="1200"/>
+              </a:spcAft>
+              <a:buNone/>
+            </a:pPr>
+            <a:r>
+              <a:rPr lang="en"/>
+              <a:t>Time for Q/A &amp; </a:t>
+            </a:r>
+            <a:r>
+              <a:rPr lang="en"/>
+              <a:t>discussing</a:t>
+            </a:r>
+            <a:r>
+              <a:rPr lang="en"/>
+              <a:t>!</a:t>
+            </a:r>
+            <a:endParaRPr/>
+          </a:p>
+        </p:txBody>
+      </p:sp>
+      <p:sp>
+        <p:nvSpPr>
+          <p:cNvPr id="177" name="Google Shape;177;p30"/>
+          <p:cNvSpPr txBox="1"/>
+          <p:nvPr>
+            <p:ph idx="12" type="sldNum"/>
+          </p:nvPr>
+        </p:nvSpPr>
+        <p:spPr>
+          <a:xfrm>
+            <a:off x="8472458" y="4663217"/>
+            <a:ext cx="548700" cy="393600"/>
+          </a:xfrm>
+          <a:prstGeom prst="rect">
+            <a:avLst/>
+          </a:prstGeom>
+        </p:spPr>
+        <p:txBody>
+          <a:bodyPr anchorCtr="0" anchor="ctr" bIns="91425" lIns="91425" spcFirstLastPara="1" rIns="91425" wrap="square" tIns="91425">
+            <a:normAutofit/>
+          </a:bodyPr>
+          <a:lstStyle/>
+          <a:p>
+            <a:pPr indent="0" lvl="0" marL="0" rtl="0" algn="r">
+              <a:spcBef>
+                <a:spcPts val="0"/>
+              </a:spcBef>
+              <a:spcAft>
+                <a:spcPts val="0"/>
+              </a:spcAft>
+              <a:buNone/>
+            </a:pPr>
+            <a:fld id="{00000000-1234-1234-1234-123412341234}" type="slidenum">
+              <a:rPr lang="en"/>
+              <a:t>‹#›</a:t>
+            </a:fld>
+            <a:endParaRPr/>
+          </a:p>
+        </p:txBody>
+      </p:sp>
+    </p:spTree>
+  </p:cSld>
+  <p:clrMapOvr>
+    <a:masterClrMapping/>
+  </p:clrMapOvr>
+</p:sld>
+</file>
+
+<file path=ppt/slides/slide19.xml><?xml version="1.0" encoding="utf-8"?>
+<p:sld xmlns:a="http://schemas.openxmlformats.org/drawingml/2006/main" xmlns:r="http://schemas.openxmlformats.org/officeDocument/2006/relationships" xmlns:mc="http://schemas.openxmlformats.org/markup-compatibility/2006" xmlns:mv="urn:schemas-microsoft-com:mac:vml" xmlns:p="http://schemas.openxmlformats.org/presentationml/2006/main" xmlns:c="http://schemas.openxmlformats.org/drawingml/2006/chart" xmlns:dgm="http://schemas.openxmlformats.org/drawingml/2006/diagram" xmlns:o="urn:schemas-microsoft-com:office:office" xmlns:v="urn:schemas-microsoft-com:vml" xmlns:pvml="urn:schemas-microsoft-com:office:powerpoint" xmlns:com="http://schemas.openxmlformats.org/drawingml/2006/compatibility" xmlns:p14="http://schemas.microsoft.com/office/powerpoint/2010/main" xmlns:p15="http://schemas.microsoft.com/office/powerpoint/2012/main" xmlns:ahyp="http://schemas.microsoft.com/office/drawing/2018/hyperlinkcolor">
+  <p:cSld>
+    <p:spTree>
+      <p:nvGrpSpPr>
+        <p:cNvPr id="181" name="Shape 181"/>
+        <p:cNvGrpSpPr/>
+        <p:nvPr/>
+      </p:nvGrpSpPr>
+      <p:grpSpPr>
+        <a:xfrm>
+          <a:off x="0" y="0"/>
+          <a:ext cx="0" cy="0"/>
+          <a:chOff x="0" y="0"/>
+          <a:chExt cx="0" cy="0"/>
+        </a:xfrm>
+      </p:grpSpPr>
+      <p:sp>
+        <p:nvSpPr>
+          <p:cNvPr id="182" name="Google Shape;182;p31"/>
+          <p:cNvSpPr txBox="1"/>
+          <p:nvPr>
+            <p:ph type="title"/>
+          </p:nvPr>
+        </p:nvSpPr>
+        <p:spPr>
+          <a:xfrm>
+            <a:off x="311700" y="445025"/>
+            <a:ext cx="8520600" cy="572700"/>
+          </a:xfrm>
+          <a:prstGeom prst="rect">
+            <a:avLst/>
+          </a:prstGeom>
+        </p:spPr>
+        <p:txBody>
+          <a:bodyPr anchorCtr="0" anchor="t" bIns="91425" lIns="91425" spcFirstLastPara="1" rIns="91425" wrap="square" tIns="91425">
+            <a:normAutofit fontScale="90000"/>
+          </a:bodyPr>
+          <a:lstStyle/>
+          <a:p>
+            <a:pPr indent="0" lvl="0" marL="0" rtl="0" algn="l">
+              <a:spcBef>
+                <a:spcPts val="0"/>
+              </a:spcBef>
+              <a:spcAft>
+                <a:spcPts val="0"/>
+              </a:spcAft>
+              <a:buNone/>
+            </a:pPr>
+            <a:r>
+              <a:rPr lang="en"/>
+              <a:t>Thank you!</a:t>
+            </a:r>
+            <a:endParaRPr/>
+          </a:p>
+        </p:txBody>
+      </p:sp>
+      <p:sp>
+        <p:nvSpPr>
+          <p:cNvPr id="183" name="Google Shape;183;p31"/>
+          <p:cNvSpPr txBox="1"/>
+          <p:nvPr>
+            <p:ph idx="1" type="body"/>
+          </p:nvPr>
+        </p:nvSpPr>
+        <p:spPr>
+          <a:xfrm>
+            <a:off x="311700" y="1152475"/>
+            <a:ext cx="8520600" cy="3416400"/>
+          </a:xfrm>
+          <a:prstGeom prst="rect">
+            <a:avLst/>
+          </a:prstGeom>
+        </p:spPr>
+        <p:txBody>
+          <a:bodyPr anchorCtr="0" anchor="t" bIns="91425" lIns="91425" spcFirstLastPara="1" rIns="91425" wrap="square" tIns="91425">
+            <a:normAutofit fontScale="85000" lnSpcReduction="10000"/>
+          </a:bodyPr>
+          <a:lstStyle/>
+          <a:p>
+            <a:pPr indent="0" lvl="0" marL="0" rtl="0" algn="l">
+              <a:spcBef>
+                <a:spcPts val="0"/>
+              </a:spcBef>
+              <a:spcAft>
                 <a:spcPts val="0"/>
               </a:spcAft>
               <a:buNone/>
@@ -9270,7 +9588,7 @@
             </a:pPr>
             <a:r>
               <a:rPr lang="en"/>
-              <a:t>An introduce Nx &amp; Axon in Elixir. An </a:t>
+              <a:t>Introduce Nx &amp; Axon. An </a:t>
             </a:r>
             <a:r>
               <a:rPr lang="en"/>
@@ -9344,7 +9662,7 @@
       </p:sp>
       <p:sp>
         <p:nvSpPr>
-          <p:cNvPr id="177" name="Google Shape;177;p30"/>
+          <p:cNvPr id="184" name="Google Shape;184;p31"/>
           <p:cNvSpPr txBox="1"/>
           <p:nvPr>
             <p:ph idx="12" type="sldNum"/>
@@ -10010,7 +10328,7 @@
         </p:spPr>
         <p:txBody>
           <a:bodyPr anchorCtr="0" anchor="t" bIns="91425" lIns="91425" spcFirstLastPara="1" rIns="91425" wrap="square" tIns="91425">
-            <a:normAutofit/>
+            <a:normAutofit lnSpcReduction="10000"/>
           </a:bodyPr>
           <a:lstStyle/>
           <a:p>
@@ -10042,7 +10360,7 @@
             </a:pPr>
             <a:r>
               <a:rPr lang="en"/>
-              <a:t>Handle event (client, other processes)</a:t>
+              <a:t>Handle event from client or other process.</a:t>
             </a:r>
             <a:endParaRPr/>
           </a:p>
@@ -10063,7 +10381,7 @@
             </a:r>
             <a:r>
               <a:rPr lang="en"/>
-              <a:t> difference for update</a:t>
+              <a:t> difference data for updating.</a:t>
             </a:r>
             <a:endParaRPr/>
           </a:p>
@@ -10080,7 +10398,7 @@
             </a:pPr>
             <a:r>
               <a:rPr lang="en"/>
-              <a:t>Send update to client. </a:t>
+              <a:t>Send update diff HTML to client. </a:t>
             </a:r>
             <a:endParaRPr/>
           </a:p>
@@ -10113,7 +10431,24 @@
             </a:pPr>
             <a:r>
               <a:rPr lang="en"/>
-              <a:t>Update DOM for diff data from server.</a:t>
+              <a:t>Load full HTML page then execute JS.</a:t>
+            </a:r>
+            <a:endParaRPr/>
+          </a:p>
+          <a:p>
+            <a:pPr indent="-342900" lvl="0" marL="457200" rtl="0" algn="l">
+              <a:spcBef>
+                <a:spcPts val="0"/>
+              </a:spcBef>
+              <a:spcAft>
+                <a:spcPts val="0"/>
+              </a:spcAft>
+              <a:buSzPts val="1800"/>
+              <a:buChar char="-"/>
+            </a:pPr>
+            <a:r>
+              <a:rPr lang="en"/>
+              <a:t>Update DOM received diff HTML from server.</a:t>
             </a:r>
             <a:endParaRPr/>
           </a:p>
@@ -10436,7 +10771,7 @@
             </a:pPr>
             <a:r>
               <a:rPr lang="en"/>
-              <a:t>LiveView - Concept</a:t>
+              <a:t>LiveView - Events</a:t>
             </a:r>
             <a:endParaRPr/>
           </a:p>
@@ -10461,7 +10796,7 @@
         </p:spPr>
         <p:txBody>
           <a:bodyPr anchorCtr="0" anchor="t" bIns="91425" lIns="91425" spcFirstLastPara="1" rIns="91425" wrap="square" tIns="91425">
-            <a:normAutofit/>
+            <a:normAutofit lnSpcReduction="20000"/>
           </a:bodyPr>
           <a:lstStyle/>
           <a:p>
@@ -10492,7 +10827,7 @@
             </a:pPr>
             <a:r>
               <a:rPr lang="en"/>
-              <a:t>1. Mount for init state &amp; verify/authen (if don’t use plug).</a:t>
+              <a:t>1. mount event for init state &amp; verify/authen (if don’t use plug).</a:t>
             </a:r>
             <a:endParaRPr/>
           </a:p>
@@ -10508,7 +10843,7 @@
             </a:pPr>
             <a:r>
               <a:rPr lang="en"/>
-              <a:t>2. render for render html (render first full html page, then just diff html).</a:t>
+              <a:t>2. Render event for render html (render first full html page, then calculate diff html for updating).</a:t>
             </a:r>
             <a:endParaRPr/>
           </a:p>
@@ -10587,6 +10922,23 @@
             <a:r>
               <a:rPr lang="en"/>
               <a:t> for clean up/save state.</a:t>
+            </a:r>
+            <a:endParaRPr/>
+          </a:p>
+          <a:p>
+            <a:pPr indent="-342900" lvl="0" marL="457200" rtl="0" algn="l">
+              <a:spcBef>
+                <a:spcPts val="0"/>
+              </a:spcBef>
+              <a:spcAft>
+                <a:spcPts val="0"/>
+              </a:spcAft>
+              <a:buSzPts val="1800"/>
+              <a:buChar char="-"/>
+            </a:pPr>
+            <a:r>
+              <a:rPr lang="en"/>
+              <a:t>Others: handle_async, handle_cast, handle_call.</a:t>
             </a:r>
             <a:endParaRPr/>
           </a:p>
@@ -10691,7 +11043,7 @@
             </a:pPr>
             <a:r>
               <a:rPr lang="en"/>
-              <a:t>LiveView - Concept - Mount</a:t>
+              <a:t>LiveView - Events - mount</a:t>
             </a:r>
             <a:endParaRPr/>
           </a:p>
@@ -10732,7 +11084,7 @@
             </a:pPr>
             <a:r>
               <a:rPr lang="en"/>
-              <a:t>Where to verify user, get query session.</a:t>
+              <a:t>Where to init first state (or load saved state), </a:t>
             </a:r>
             <a:endParaRPr/>
           </a:p>
@@ -10749,7 +11101,7 @@
             </a:pPr>
             <a:r>
               <a:rPr lang="en"/>
-              <a:t>Init the first time for page (full html page).</a:t>
+              <a:t>Handle query params, session.</a:t>
             </a:r>
             <a:endParaRPr/>
           </a:p>
@@ -10927,7 +11279,7 @@
             </a:pPr>
             <a:r>
               <a:rPr lang="en"/>
-              <a:t>LiveView - Concept - Render</a:t>
+              <a:t>LiveView - Events - render</a:t>
             </a:r>
             <a:endParaRPr/>
           </a:p>
@@ -11002,7 +11354,7 @@
             </a:pPr>
             <a:r>
               <a:rPr lang="en"/>
-              <a:t>An EEx engine - Smart &amp; Fast evaluate code in inside string.</a:t>
+              <a:t>Uses EEx engine to evaluate code in inside string.</a:t>
             </a:r>
             <a:endParaRPr/>
           </a:p>
@@ -11085,6 +11437,285 @@
 </file>
 
 <file path=ppt/theme/theme1.xml><?xml version="1.0" encoding="utf-8"?>
+<a:theme xmlns:a="http://schemas.openxmlformats.org/drawingml/2006/main" xmlns:r="http://schemas.openxmlformats.org/officeDocument/2006/relationships">
+  <a:themeElements>
+    <a:clrScheme name="Default">
+      <a:dk1>
+        <a:srgbClr val="000000"/>
+      </a:dk1>
+      <a:lt1>
+        <a:srgbClr val="FFFFFF"/>
+      </a:lt1>
+      <a:dk2>
+        <a:srgbClr val="158158"/>
+      </a:dk2>
+      <a:lt2>
+        <a:srgbClr val="F3F3F3"/>
+      </a:lt2>
+      <a:accent1>
+        <a:srgbClr val="058DC7"/>
+      </a:accent1>
+      <a:accent2>
+        <a:srgbClr val="50B432"/>
+      </a:accent2>
+      <a:accent3>
+        <a:srgbClr val="ED561B"/>
+      </a:accent3>
+      <a:accent4>
+        <a:srgbClr val="EDEF00"/>
+      </a:accent4>
+      <a:accent5>
+        <a:srgbClr val="24CBE5"/>
+      </a:accent5>
+      <a:accent6>
+        <a:srgbClr val="64E572"/>
+      </a:accent6>
+      <a:hlink>
+        <a:srgbClr val="2200CC"/>
+      </a:hlink>
+      <a:folHlink>
+        <a:srgbClr val="551A8B"/>
+      </a:folHlink>
+    </a:clrScheme>
+    <a:fontScheme name="Office">
+      <a:majorFont>
+        <a:latin typeface="Arial"/>
+        <a:ea typeface=""/>
+        <a:cs typeface=""/>
+        <a:font script="Jpan" typeface="ＭＳ Ｐゴシック"/>
+        <a:font script="Hang" typeface="맑은 고딕"/>
+        <a:font script="Hans" typeface="宋体"/>
+        <a:font script="Hant" typeface="新細明體"/>
+        <a:font script="Arab" typeface="Times New Roman"/>
+        <a:font script="Hebr" typeface="Times New Roman"/>
+        <a:font script="Thai" typeface="Angsana New"/>
+        <a:font script="Ethi" typeface="Nyala"/>
+        <a:font script="Beng" typeface="Vrinda"/>
+        <a:font script="Gujr" typeface="Shruti"/>
+        <a:font script="Khmr" typeface="MoolBoran"/>
+        <a:font script="Knda" typeface="Tunga"/>
+        <a:font script="Guru" typeface="Raavi"/>
+        <a:font script="Cans" typeface="Euphemia"/>
+        <a:font script="Cher" typeface="Plantagenet Cherokee"/>
+        <a:font script="Yiii" typeface="Microsoft Yi Baiti"/>
+        <a:font script="Tibt" typeface="Microsoft Himalaya"/>
+        <a:font script="Thaa" typeface="MV Boli"/>
+        <a:font script="Deva" typeface="Mangal"/>
+        <a:font script="Telu" typeface="Gautami"/>
+        <a:font script="Taml" typeface="Latha"/>
+        <a:font script="Syrc" typeface="Estrangelo Edessa"/>
+        <a:font script="Orya" typeface="Kalinga"/>
+        <a:font script="Mlym" typeface="Kartika"/>
+        <a:font script="Laoo" typeface="DokChampa"/>
+        <a:font script="Sinh" typeface="Iskoola Pota"/>
+        <a:font script="Mong" typeface="Mongolian Baiti"/>
+        <a:font script="Viet" typeface="Times New Roman"/>
+        <a:font script="Uigh" typeface="Microsoft Uighur"/>
+        <a:font script="Geor" typeface="Sylfaen"/>
+      </a:majorFont>
+      <a:minorFont>
+        <a:latin typeface="Arial"/>
+        <a:ea typeface=""/>
+        <a:cs typeface=""/>
+        <a:font script="Jpan" typeface="ＭＳ Ｐゴシック"/>
+        <a:font script="Hang" typeface="맑은 고딕"/>
+        <a:font script="Hans" typeface="宋体"/>
+        <a:font script="Hant" typeface="新細明體"/>
+        <a:font script="Arab" typeface="Arial"/>
+        <a:font script="Hebr" typeface="Arial"/>
+        <a:font script="Thai" typeface="Cordia New"/>
+        <a:font script="Ethi" typeface="Nyala"/>
+        <a:font script="Beng" typeface="Vrinda"/>
+        <a:font script="Gujr" typeface="Shruti"/>
+        <a:font script="Khmr" typeface="DaunPenh"/>
+        <a:font script="Knda" typeface="Tunga"/>
+        <a:font script="Guru" typeface="Raavi"/>
+        <a:font script="Cans" typeface="Euphemia"/>
+        <a:font script="Cher" typeface="Plantagenet Cherokee"/>
+        <a:font script="Yiii" typeface="Microsoft Yi Baiti"/>
+        <a:font script="Tibt" typeface="Microsoft Himalaya"/>
+        <a:font script="Thaa" typeface="MV Boli"/>
+        <a:font script="Deva" typeface="Mangal"/>
+        <a:font script="Telu" typeface="Gautami"/>
+        <a:font script="Taml" typeface="Latha"/>
+        <a:font script="Syrc" typeface="Estrangelo Edessa"/>
+        <a:font script="Orya" typeface="Kalinga"/>
+        <a:font script="Mlym" typeface="Kartika"/>
+        <a:font script="Laoo" typeface="DokChampa"/>
+        <a:font script="Sinh" typeface="Iskoola Pota"/>
+        <a:font script="Mong" typeface="Mongolian Baiti"/>
+        <a:font script="Viet" typeface="Arial"/>
+        <a:font script="Uigh" typeface="Microsoft Uighur"/>
+        <a:font script="Geor" typeface="Sylfaen"/>
+      </a:minorFont>
+    </a:fontScheme>
+    <a:fmtScheme name="Office">
+      <a:fillStyleLst>
+        <a:solidFill>
+          <a:schemeClr val="phClr"/>
+        </a:solidFill>
+        <a:gradFill rotWithShape="1">
+          <a:gsLst>
+            <a:gs pos="0">
+              <a:schemeClr val="phClr">
+                <a:tint val="50000"/>
+                <a:satMod val="300000"/>
+              </a:schemeClr>
+            </a:gs>
+            <a:gs pos="35000">
+              <a:schemeClr val="phClr">
+                <a:tint val="37000"/>
+                <a:satMod val="300000"/>
+              </a:schemeClr>
+            </a:gs>
+            <a:gs pos="100000">
+              <a:schemeClr val="phClr">
+                <a:tint val="15000"/>
+                <a:satMod val="350000"/>
+              </a:schemeClr>
+            </a:gs>
+          </a:gsLst>
+          <a:lin ang="16200000" scaled="1"/>
+        </a:gradFill>
+        <a:gradFill rotWithShape="1">
+          <a:gsLst>
+            <a:gs pos="0">
+              <a:schemeClr val="phClr">
+                <a:tint val="100000"/>
+                <a:shade val="100000"/>
+                <a:satMod val="130000"/>
+              </a:schemeClr>
+            </a:gs>
+            <a:gs pos="100000">
+              <a:schemeClr val="phClr">
+                <a:tint val="50000"/>
+                <a:shade val="100000"/>
+                <a:satMod val="350000"/>
+              </a:schemeClr>
+            </a:gs>
+          </a:gsLst>
+          <a:lin ang="16200000" scaled="0"/>
+        </a:gradFill>
+      </a:fillStyleLst>
+      <a:lnStyleLst>
+        <a:ln w="9525" cap="flat" cmpd="sng" algn="ctr">
+          <a:solidFill>
+            <a:schemeClr val="phClr">
+              <a:shade val="95000"/>
+              <a:satMod val="105000"/>
+            </a:schemeClr>
+          </a:solidFill>
+          <a:prstDash val="solid"/>
+        </a:ln>
+        <a:ln w="25400" cap="flat" cmpd="sng" algn="ctr">
+          <a:solidFill>
+            <a:schemeClr val="phClr"/>
+          </a:solidFill>
+          <a:prstDash val="solid"/>
+        </a:ln>
+        <a:ln w="38100" cap="flat" cmpd="sng" algn="ctr">
+          <a:solidFill>
+            <a:schemeClr val="phClr"/>
+          </a:solidFill>
+          <a:prstDash val="solid"/>
+        </a:ln>
+      </a:lnStyleLst>
+      <a:effectStyleLst>
+        <a:effectStyle>
+          <a:effectLst>
+            <a:outerShdw blurRad="40000" dist="20000" dir="5400000" rotWithShape="0">
+              <a:srgbClr val="000000">
+                <a:alpha val="38000"/>
+              </a:srgbClr>
+            </a:outerShdw>
+          </a:effectLst>
+        </a:effectStyle>
+        <a:effectStyle>
+          <a:effectLst>
+            <a:outerShdw blurRad="40000" dist="23000" dir="5400000" rotWithShape="0">
+              <a:srgbClr val="000000">
+                <a:alpha val="35000"/>
+              </a:srgbClr>
+            </a:outerShdw>
+          </a:effectLst>
+        </a:effectStyle>
+        <a:effectStyle>
+          <a:effectLst>
+            <a:outerShdw blurRad="40000" dist="23000" dir="5400000" rotWithShape="0">
+              <a:srgbClr val="000000">
+                <a:alpha val="35000"/>
+              </a:srgbClr>
+            </a:outerShdw>
+          </a:effectLst>
+          <a:scene3d>
+            <a:camera prst="orthographicFront">
+              <a:rot lat="0" lon="0" rev="0"/>
+            </a:camera>
+            <a:lightRig rig="threePt" dir="t">
+              <a:rot lat="0" lon="0" rev="1200000"/>
+            </a:lightRig>
+          </a:scene3d>
+          <a:sp3d>
+            <a:bevelT w="63500" h="25400"/>
+          </a:sp3d>
+        </a:effectStyle>
+      </a:effectStyleLst>
+      <a:bgFillStyleLst>
+        <a:solidFill>
+          <a:schemeClr val="phClr"/>
+        </a:solidFill>
+        <a:gradFill rotWithShape="1">
+          <a:gsLst>
+            <a:gs pos="0">
+              <a:schemeClr val="phClr">
+                <a:tint val="40000"/>
+                <a:satMod val="350000"/>
+              </a:schemeClr>
+            </a:gs>
+            <a:gs pos="40000">
+              <a:schemeClr val="phClr">
+                <a:tint val="45000"/>
+                <a:shade val="99000"/>
+                <a:satMod val="350000"/>
+              </a:schemeClr>
+            </a:gs>
+            <a:gs pos="100000">
+              <a:schemeClr val="phClr">
+                <a:shade val="20000"/>
+                <a:satMod val="255000"/>
+              </a:schemeClr>
+            </a:gs>
+          </a:gsLst>
+          <a:path path="circle">
+            <a:fillToRect l="50000" t="-80000" r="50000" b="180000"/>
+          </a:path>
+        </a:gradFill>
+        <a:gradFill rotWithShape="1">
+          <a:gsLst>
+            <a:gs pos="0">
+              <a:schemeClr val="phClr">
+                <a:tint val="80000"/>
+                <a:satMod val="300000"/>
+              </a:schemeClr>
+            </a:gs>
+            <a:gs pos="100000">
+              <a:schemeClr val="phClr">
+                <a:shade val="30000"/>
+                <a:satMod val="200000"/>
+              </a:schemeClr>
+            </a:gs>
+          </a:gsLst>
+          <a:path path="circle">
+            <a:fillToRect l="50000" t="50000" r="50000" b="50000"/>
+          </a:path>
+        </a:gradFill>
+      </a:bgFillStyleLst>
+    </a:fmtScheme>
+  </a:themeElements>
+</a:theme>
+</file>
+
+<file path=ppt/theme/theme2.xml><?xml version="1.0" encoding="utf-8"?>
 <a:theme xmlns:a="http://schemas.openxmlformats.org/drawingml/2006/main" xmlns:r="http://schemas.openxmlformats.org/officeDocument/2006/relationships" name="Simple Light">
   <a:themeElements>
     <a:clrScheme name="Simple Light">
@@ -11361,283 +11992,4 @@
     </a:fmtScheme>
   </a:themeElements>
 </a:theme>
-</file>
-
-<file path=ppt/theme/theme2.xml><?xml version="1.0" encoding="utf-8"?>
-<a:theme xmlns:a="http://schemas.openxmlformats.org/drawingml/2006/main" xmlns:r="http://schemas.openxmlformats.org/officeDocument/2006/relationships">
-  <a:themeElements>
-    <a:clrScheme name="Default">
-      <a:dk1>
-        <a:srgbClr val="000000"/>
-      </a:dk1>
-      <a:lt1>
-        <a:srgbClr val="FFFFFF"/>
-      </a:lt1>
-      <a:dk2>
-        <a:srgbClr val="158158"/>
-      </a:dk2>
-      <a:lt2>
-        <a:srgbClr val="F3F3F3"/>
-      </a:lt2>
-      <a:accent1>
-        <a:srgbClr val="058DC7"/>
-      </a:accent1>
-      <a:accent2>
-        <a:srgbClr val="50B432"/>
-      </a:accent2>
-      <a:accent3>
-        <a:srgbClr val="ED561B"/>
-      </a:accent3>
-      <a:accent4>
-        <a:srgbClr val="EDEF00"/>
-      </a:accent4>
-      <a:accent5>
-        <a:srgbClr val="24CBE5"/>
-      </a:accent5>
-      <a:accent6>
-        <a:srgbClr val="64E572"/>
-      </a:accent6>
-      <a:hlink>
-        <a:srgbClr val="2200CC"/>
-      </a:hlink>
-      <a:folHlink>
-        <a:srgbClr val="551A8B"/>
-      </a:folHlink>
-    </a:clrScheme>
-    <a:fontScheme name="Office">
-      <a:majorFont>
-        <a:latin typeface="Arial"/>
-        <a:ea typeface=""/>
-        <a:cs typeface=""/>
-        <a:font script="Jpan" typeface="ＭＳ Ｐゴシック"/>
-        <a:font script="Hang" typeface="맑은 고딕"/>
-        <a:font script="Hans" typeface="宋体"/>
-        <a:font script="Hant" typeface="新細明體"/>
-        <a:font script="Arab" typeface="Times New Roman"/>
-        <a:font script="Hebr" typeface="Times New Roman"/>
-        <a:font script="Thai" typeface="Angsana New"/>
-        <a:font script="Ethi" typeface="Nyala"/>
-        <a:font script="Beng" typeface="Vrinda"/>
-        <a:font script="Gujr" typeface="Shruti"/>
-        <a:font script="Khmr" typeface="MoolBoran"/>
-        <a:font script="Knda" typeface="Tunga"/>
-        <a:font script="Guru" typeface="Raavi"/>
-        <a:font script="Cans" typeface="Euphemia"/>
-        <a:font script="Cher" typeface="Plantagenet Cherokee"/>
-        <a:font script="Yiii" typeface="Microsoft Yi Baiti"/>
-        <a:font script="Tibt" typeface="Microsoft Himalaya"/>
-        <a:font script="Thaa" typeface="MV Boli"/>
-        <a:font script="Deva" typeface="Mangal"/>
-        <a:font script="Telu" typeface="Gautami"/>
-        <a:font script="Taml" typeface="Latha"/>
-        <a:font script="Syrc" typeface="Estrangelo Edessa"/>
-        <a:font script="Orya" typeface="Kalinga"/>
-        <a:font script="Mlym" typeface="Kartika"/>
-        <a:font script="Laoo" typeface="DokChampa"/>
-        <a:font script="Sinh" typeface="Iskoola Pota"/>
-        <a:font script="Mong" typeface="Mongolian Baiti"/>
-        <a:font script="Viet" typeface="Times New Roman"/>
-        <a:font script="Uigh" typeface="Microsoft Uighur"/>
-        <a:font script="Geor" typeface="Sylfaen"/>
-      </a:majorFont>
-      <a:minorFont>
-        <a:latin typeface="Arial"/>
-        <a:ea typeface=""/>
-        <a:cs typeface=""/>
-        <a:font script="Jpan" typeface="ＭＳ Ｐゴシック"/>
-        <a:font script="Hang" typeface="맑은 고딕"/>
-        <a:font script="Hans" typeface="宋体"/>
-        <a:font script="Hant" typeface="新細明體"/>
-        <a:font script="Arab" typeface="Arial"/>
-        <a:font script="Hebr" typeface="Arial"/>
-        <a:font script="Thai" typeface="Cordia New"/>
-        <a:font script="Ethi" typeface="Nyala"/>
-        <a:font script="Beng" typeface="Vrinda"/>
-        <a:font script="Gujr" typeface="Shruti"/>
-        <a:font script="Khmr" typeface="DaunPenh"/>
-        <a:font script="Knda" typeface="Tunga"/>
-        <a:font script="Guru" typeface="Raavi"/>
-        <a:font script="Cans" typeface="Euphemia"/>
-        <a:font script="Cher" typeface="Plantagenet Cherokee"/>
-        <a:font script="Yiii" typeface="Microsoft Yi Baiti"/>
-        <a:font script="Tibt" typeface="Microsoft Himalaya"/>
-        <a:font script="Thaa" typeface="MV Boli"/>
-        <a:font script="Deva" typeface="Mangal"/>
-        <a:font script="Telu" typeface="Gautami"/>
-        <a:font script="Taml" typeface="Latha"/>
-        <a:font script="Syrc" typeface="Estrangelo Edessa"/>
-        <a:font script="Orya" typeface="Kalinga"/>
-        <a:font script="Mlym" typeface="Kartika"/>
-        <a:font script="Laoo" typeface="DokChampa"/>
-        <a:font script="Sinh" typeface="Iskoola Pota"/>
-        <a:font script="Mong" typeface="Mongolian Baiti"/>
-        <a:font script="Viet" typeface="Arial"/>
-        <a:font script="Uigh" typeface="Microsoft Uighur"/>
-        <a:font script="Geor" typeface="Sylfaen"/>
-      </a:minorFont>
-    </a:fontScheme>
-    <a:fmtScheme name="Office">
-      <a:fillStyleLst>
-        <a:solidFill>
-          <a:schemeClr val="phClr"/>
-        </a:solidFill>
-        <a:gradFill rotWithShape="1">
-          <a:gsLst>
-            <a:gs pos="0">
-              <a:schemeClr val="phClr">
-                <a:tint val="50000"/>
-                <a:satMod val="300000"/>
-              </a:schemeClr>
-            </a:gs>
-            <a:gs pos="35000">
-              <a:schemeClr val="phClr">
-                <a:tint val="37000"/>
-                <a:satMod val="300000"/>
-              </a:schemeClr>
-            </a:gs>
-            <a:gs pos="100000">
-              <a:schemeClr val="phClr">
-                <a:tint val="15000"/>
-                <a:satMod val="350000"/>
-              </a:schemeClr>
-            </a:gs>
-          </a:gsLst>
-          <a:lin ang="16200000" scaled="1"/>
-        </a:gradFill>
-        <a:gradFill rotWithShape="1">
-          <a:gsLst>
-            <a:gs pos="0">
-              <a:schemeClr val="phClr">
-                <a:tint val="100000"/>
-                <a:shade val="100000"/>
-                <a:satMod val="130000"/>
-              </a:schemeClr>
-            </a:gs>
-            <a:gs pos="100000">
-              <a:schemeClr val="phClr">
-                <a:tint val="50000"/>
-                <a:shade val="100000"/>
-                <a:satMod val="350000"/>
-              </a:schemeClr>
-            </a:gs>
-          </a:gsLst>
-          <a:lin ang="16200000" scaled="0"/>
-        </a:gradFill>
-      </a:fillStyleLst>
-      <a:lnStyleLst>
-        <a:ln w="9525" cap="flat" cmpd="sng" algn="ctr">
-          <a:solidFill>
-            <a:schemeClr val="phClr">
-              <a:shade val="95000"/>
-              <a:satMod val="105000"/>
-            </a:schemeClr>
-          </a:solidFill>
-          <a:prstDash val="solid"/>
-        </a:ln>
-        <a:ln w="25400" cap="flat" cmpd="sng" algn="ctr">
-          <a:solidFill>
-            <a:schemeClr val="phClr"/>
-          </a:solidFill>
-          <a:prstDash val="solid"/>
-        </a:ln>
-        <a:ln w="38100" cap="flat" cmpd="sng" algn="ctr">
-          <a:solidFill>
-            <a:schemeClr val="phClr"/>
-          </a:solidFill>
-          <a:prstDash val="solid"/>
-        </a:ln>
-      </a:lnStyleLst>
-      <a:effectStyleLst>
-        <a:effectStyle>
-          <a:effectLst>
-            <a:outerShdw blurRad="40000" dist="20000" dir="5400000" rotWithShape="0">
-              <a:srgbClr val="000000">
-                <a:alpha val="38000"/>
-              </a:srgbClr>
-            </a:outerShdw>
-          </a:effectLst>
-        </a:effectStyle>
-        <a:effectStyle>
-          <a:effectLst>
-            <a:outerShdw blurRad="40000" dist="23000" dir="5400000" rotWithShape="0">
-              <a:srgbClr val="000000">
-                <a:alpha val="35000"/>
-              </a:srgbClr>
-            </a:outerShdw>
-          </a:effectLst>
-        </a:effectStyle>
-        <a:effectStyle>
-          <a:effectLst>
-            <a:outerShdw blurRad="40000" dist="23000" dir="5400000" rotWithShape="0">
-              <a:srgbClr val="000000">
-                <a:alpha val="35000"/>
-              </a:srgbClr>
-            </a:outerShdw>
-          </a:effectLst>
-          <a:scene3d>
-            <a:camera prst="orthographicFront">
-              <a:rot lat="0" lon="0" rev="0"/>
-            </a:camera>
-            <a:lightRig rig="threePt" dir="t">
-              <a:rot lat="0" lon="0" rev="1200000"/>
-            </a:lightRig>
-          </a:scene3d>
-          <a:sp3d>
-            <a:bevelT w="63500" h="25400"/>
-          </a:sp3d>
-        </a:effectStyle>
-      </a:effectStyleLst>
-      <a:bgFillStyleLst>
-        <a:solidFill>
-          <a:schemeClr val="phClr"/>
-        </a:solidFill>
-        <a:gradFill rotWithShape="1">
-          <a:gsLst>
-            <a:gs pos="0">
-              <a:schemeClr val="phClr">
-                <a:tint val="40000"/>
-                <a:satMod val="350000"/>
-              </a:schemeClr>
-            </a:gs>
-            <a:gs pos="40000">
-              <a:schemeClr val="phClr">
-                <a:tint val="45000"/>
-                <a:shade val="99000"/>
-                <a:satMod val="350000"/>
-              </a:schemeClr>
-            </a:gs>
-            <a:gs pos="100000">
-              <a:schemeClr val="phClr">
-                <a:shade val="20000"/>
-                <a:satMod val="255000"/>
-              </a:schemeClr>
-            </a:gs>
-          </a:gsLst>
-          <a:path path="circle">
-            <a:fillToRect l="50000" t="-80000" r="50000" b="180000"/>
-          </a:path>
-        </a:gradFill>
-        <a:gradFill rotWithShape="1">
-          <a:gsLst>
-            <a:gs pos="0">
-              <a:schemeClr val="phClr">
-                <a:tint val="80000"/>
-                <a:satMod val="300000"/>
-              </a:schemeClr>
-            </a:gs>
-            <a:gs pos="100000">
-              <a:schemeClr val="phClr">
-                <a:shade val="30000"/>
-                <a:satMod val="200000"/>
-              </a:schemeClr>
-            </a:gs>
-          </a:gsLst>
-          <a:path path="circle">
-            <a:fillToRect l="50000" t="50000" r="50000" b="50000"/>
-          </a:path>
-        </a:gradFill>
-      </a:bgFillStyleLst>
-    </a:fmtScheme>
-  </a:themeElements>
-</a:theme>
 </file>